--- a/Enigma Presentation.pptx
+++ b/Enigma Presentation.pptx
@@ -337,7 +337,7 @@
           <a:p>
             <a:fld id="{FEA40804-0CDA-E34F-ABE0-F232AFEF5E63}" type="datetimeFigureOut">
               <a:rPr lang="en-US" smtClean="0"/>
-              <a:t>7/12/12</a:t>
+              <a:t>7/17/12</a:t>
             </a:fld>
             <a:endParaRPr lang="en-US"/>
           </a:p>
@@ -589,7 +589,7 @@
           <a:p>
             <a:fld id="{FEA40804-0CDA-E34F-ABE0-F232AFEF5E63}" type="datetimeFigureOut">
               <a:rPr lang="en-US" smtClean="0"/>
-              <a:t>7/12/12</a:t>
+              <a:t>7/17/12</a:t>
             </a:fld>
             <a:endParaRPr lang="en-US"/>
           </a:p>
@@ -988,7 +988,7 @@
           <a:p>
             <a:fld id="{FEA40804-0CDA-E34F-ABE0-F232AFEF5E63}" type="datetimeFigureOut">
               <a:rPr lang="en-US" smtClean="0"/>
-              <a:t>7/12/12</a:t>
+              <a:t>7/17/12</a:t>
             </a:fld>
             <a:endParaRPr lang="en-US"/>
           </a:p>
@@ -1387,7 +1387,7 @@
           <a:p>
             <a:fld id="{FEA40804-0CDA-E34F-ABE0-F232AFEF5E63}" type="datetimeFigureOut">
               <a:rPr lang="en-US" smtClean="0"/>
-              <a:t>7/12/12</a:t>
+              <a:t>7/17/12</a:t>
             </a:fld>
             <a:endParaRPr lang="en-US"/>
           </a:p>
@@ -1840,7 +1840,7 @@
           <a:p>
             <a:fld id="{FEA40804-0CDA-E34F-ABE0-F232AFEF5E63}" type="datetimeFigureOut">
               <a:rPr lang="en-US" smtClean="0"/>
-              <a:t>7/12/12</a:t>
+              <a:t>7/17/12</a:t>
             </a:fld>
             <a:endParaRPr lang="en-US"/>
           </a:p>
@@ -2395,7 +2395,7 @@
           <a:p>
             <a:fld id="{FEA40804-0CDA-E34F-ABE0-F232AFEF5E63}" type="datetimeFigureOut">
               <a:rPr lang="en-US" smtClean="0"/>
-              <a:t>7/12/12</a:t>
+              <a:t>7/17/12</a:t>
             </a:fld>
             <a:endParaRPr lang="en-US"/>
           </a:p>
@@ -3084,7 +3084,7 @@
           <a:p>
             <a:fld id="{FEA40804-0CDA-E34F-ABE0-F232AFEF5E63}" type="datetimeFigureOut">
               <a:rPr lang="en-US" smtClean="0"/>
-              <a:t>7/12/12</a:t>
+              <a:t>7/17/12</a:t>
             </a:fld>
             <a:endParaRPr lang="en-US"/>
           </a:p>
@@ -3298,7 +3298,7 @@
           <a:p>
             <a:fld id="{FEA40804-0CDA-E34F-ABE0-F232AFEF5E63}" type="datetimeFigureOut">
               <a:rPr lang="en-US" smtClean="0"/>
-              <a:t>7/12/12</a:t>
+              <a:t>7/17/12</a:t>
             </a:fld>
             <a:endParaRPr lang="en-US"/>
           </a:p>
@@ -3598,7 +3598,7 @@
           <a:p>
             <a:fld id="{FEA40804-0CDA-E34F-ABE0-F232AFEF5E63}" type="datetimeFigureOut">
               <a:rPr lang="en-US" smtClean="0"/>
-              <a:t>7/12/12</a:t>
+              <a:t>7/17/12</a:t>
             </a:fld>
             <a:endParaRPr lang="en-US"/>
           </a:p>
@@ -3767,7 +3767,7 @@
           <a:p>
             <a:fld id="{FEA40804-0CDA-E34F-ABE0-F232AFEF5E63}" type="datetimeFigureOut">
               <a:rPr lang="en-US" smtClean="0"/>
-              <a:t>7/12/12</a:t>
+              <a:t>7/17/12</a:t>
             </a:fld>
             <a:endParaRPr lang="en-US"/>
           </a:p>
@@ -4070,7 +4070,7 @@
           <a:p>
             <a:fld id="{FEA40804-0CDA-E34F-ABE0-F232AFEF5E63}" type="datetimeFigureOut">
               <a:rPr lang="en-US" smtClean="0"/>
-              <a:t>7/12/12</a:t>
+              <a:t>7/17/12</a:t>
             </a:fld>
             <a:endParaRPr lang="en-US"/>
           </a:p>
@@ -4691,7 +4691,7 @@
           <a:p>
             <a:fld id="{FEA40804-0CDA-E34F-ABE0-F232AFEF5E63}" type="datetimeFigureOut">
               <a:rPr lang="en-US" smtClean="0"/>
-              <a:t>7/12/12</a:t>
+              <a:t>7/17/12</a:t>
             </a:fld>
             <a:endParaRPr lang="en-US"/>
           </a:p>
@@ -5020,7 +5020,7 @@
           <a:p>
             <a:fld id="{FEA40804-0CDA-E34F-ABE0-F232AFEF5E63}" type="datetimeFigureOut">
               <a:rPr lang="en-US" smtClean="0"/>
-              <a:t>7/12/12</a:t>
+              <a:t>7/17/12</a:t>
             </a:fld>
             <a:endParaRPr lang="en-US"/>
           </a:p>
@@ -5493,7 +5493,7 @@
           <a:p>
             <a:fld id="{FEA40804-0CDA-E34F-ABE0-F232AFEF5E63}" type="datetimeFigureOut">
               <a:rPr lang="en-US" smtClean="0"/>
-              <a:t>7/12/12</a:t>
+              <a:t>7/17/12</a:t>
             </a:fld>
             <a:endParaRPr lang="en-US"/>
           </a:p>
@@ -5637,7 +5637,7 @@
           <a:p>
             <a:fld id="{FEA40804-0CDA-E34F-ABE0-F232AFEF5E63}" type="datetimeFigureOut">
               <a:rPr lang="en-US" smtClean="0"/>
-              <a:t>7/12/12</a:t>
+              <a:t>7/17/12</a:t>
             </a:fld>
             <a:endParaRPr lang="en-US"/>
           </a:p>
@@ -5727,7 +5727,7 @@
           <a:p>
             <a:fld id="{FEA40804-0CDA-E34F-ABE0-F232AFEF5E63}" type="datetimeFigureOut">
               <a:rPr lang="en-US" smtClean="0"/>
-              <a:t>7/12/12</a:t>
+              <a:t>7/17/12</a:t>
             </a:fld>
             <a:endParaRPr lang="en-US"/>
           </a:p>
@@ -6008,7 +6008,7 @@
           <a:p>
             <a:fld id="{FEA40804-0CDA-E34F-ABE0-F232AFEF5E63}" type="datetimeFigureOut">
               <a:rPr lang="en-US" smtClean="0"/>
-              <a:t>7/12/12</a:t>
+              <a:t>7/17/12</a:t>
             </a:fld>
             <a:endParaRPr lang="en-US"/>
           </a:p>
@@ -6305,7 +6305,7 @@
           <a:p>
             <a:fld id="{FEA40804-0CDA-E34F-ABE0-F232AFEF5E63}" type="datetimeFigureOut">
               <a:rPr lang="en-US" smtClean="0"/>
-              <a:t>7/12/12</a:t>
+              <a:t>7/17/12</a:t>
             </a:fld>
             <a:endParaRPr lang="en-US"/>
           </a:p>
@@ -7286,6 +7286,30 @@
           </a:p>
         </p:txBody>
       </p:sp>
+      <p:pic>
+        <p:nvPicPr>
+          <p:cNvPr id="3" name="Picture 2"/>
+          <p:cNvPicPr>
+            <a:picLocks noChangeAspect="1"/>
+          </p:cNvPicPr>
+          <p:nvPr/>
+        </p:nvPicPr>
+        <p:blipFill>
+          <a:blip r:embed="rId2"/>
+          <a:stretch>
+            <a:fillRect/>
+          </a:stretch>
+        </p:blipFill>
+        <p:spPr>
+          <a:xfrm>
+            <a:off x="3327400" y="2774118"/>
+            <a:ext cx="2476500" cy="3111500"/>
+          </a:xfrm>
+          <a:prstGeom prst="rect">
+            <a:avLst/>
+          </a:prstGeom>
+        </p:spPr>
+      </p:pic>
     </p:spTree>
     <p:extLst>
       <p:ext uri="{BB962C8B-B14F-4D97-AF65-F5344CB8AC3E}">
@@ -7338,25 +7362,25 @@
           </a:p>
         </p:txBody>
       </p:sp>
-      <p:sp>
-        <p:nvSpPr>
-          <p:cNvPr id="4" name="Content Placeholder 3"/>
-          <p:cNvSpPr>
-            <a:spLocks noGrp="1"/>
-          </p:cNvSpPr>
+      <p:pic>
+        <p:nvPicPr>
+          <p:cNvPr id="2" name="Content Placeholder 1"/>
+          <p:cNvPicPr>
+            <a:picLocks noGrp="1" noChangeAspect="1"/>
+          </p:cNvPicPr>
           <p:nvPr>
             <p:ph idx="1"/>
           </p:nvPr>
-        </p:nvSpPr>
+        </p:nvPicPr>
+        <p:blipFill>
+          <a:blip r:embed="rId2"/>
+          <a:srcRect t="14582" b="14582"/>
+          <a:stretch>
+            <a:fillRect/>
+          </a:stretch>
+        </p:blipFill>
         <p:spPr/>
-        <p:txBody>
-          <a:bodyPr/>
-          <a:lstStyle/>
-          <a:p>
-            <a:endParaRPr lang="en-US"/>
-          </a:p>
-        </p:txBody>
-      </p:sp>
+      </p:pic>
     </p:spTree>
     <p:extLst>
       <p:ext uri="{BB962C8B-B14F-4D97-AF65-F5344CB8AC3E}">
@@ -7424,7 +7448,7 @@
           <a:bodyPr/>
           <a:lstStyle/>
           <a:p>
-            <a:endParaRPr lang="en-US"/>
+            <a:endParaRPr lang="en-US" dirty="0"/>
           </a:p>
         </p:txBody>
       </p:sp>
@@ -7501,7 +7525,7 @@
       </p:sp>
       <p:sp>
         <p:nvSpPr>
-          <p:cNvPr id="5" name="Picture Placeholder 4"/>
+          <p:cNvPr id="2" name="Picture Placeholder 1"/>
           <p:cNvSpPr>
             <a:spLocks noGrp="1"/>
           </p:cNvSpPr>
@@ -7647,6 +7671,36 @@
           </a:p>
         </p:txBody>
       </p:sp>
+      <p:pic>
+        <p:nvPicPr>
+          <p:cNvPr id="3" name="Picture 2" descr="C:\Users\MHenderson\Desktop\MELZ WORLD\ECPI\IS670\enigmacode.png"/>
+          <p:cNvPicPr/>
+          <p:nvPr/>
+        </p:nvPicPr>
+        <p:blipFill>
+          <a:blip r:embed="rId2"/>
+          <a:srcRect/>
+          <a:stretch>
+            <a:fillRect/>
+          </a:stretch>
+        </p:blipFill>
+        <p:spPr bwMode="auto">
+          <a:xfrm>
+            <a:off x="317461" y="1814436"/>
+            <a:ext cx="8548761" cy="4808254"/>
+          </a:xfrm>
+          <a:prstGeom prst="rect">
+            <a:avLst/>
+          </a:prstGeom>
+          <a:noFill/>
+          <a:ln w="9525">
+            <a:noFill/>
+            <a:miter lim="800000"/>
+            <a:headEnd/>
+            <a:tailEnd/>
+          </a:ln>
+        </p:spPr>
+      </p:pic>
     </p:spTree>
     <p:extLst>
       <p:ext uri="{BB962C8B-B14F-4D97-AF65-F5344CB8AC3E}">
